--- a/前后端分离了吗.pptx
+++ b/前后端分离了吗.pptx
@@ -5,10 +5,10 @@
     <p:sldMasterId id="2147483648" r:id="rId1"/>
   </p:sldMasterIdLst>
   <p:notesMasterIdLst>
-    <p:notesMasterId r:id="rId15"/>
+    <p:notesMasterId r:id="rId16"/>
   </p:notesMasterIdLst>
   <p:handoutMasterIdLst>
-    <p:handoutMasterId r:id="rId16"/>
+    <p:handoutMasterId r:id="rId17"/>
   </p:handoutMasterIdLst>
   <p:sldIdLst>
     <p:sldId id="256" r:id="rId2"/>
@@ -24,6 +24,7 @@
     <p:sldId id="300" r:id="rId12"/>
     <p:sldId id="296" r:id="rId13"/>
     <p:sldId id="288" r:id="rId14"/>
+    <p:sldId id="301" r:id="rId15"/>
   </p:sldIdLst>
   <p:sldSz cx="9144000" cy="5143500" type="screen16x9"/>
   <p:notesSz cx="6858000" cy="9144000"/>
@@ -124,7 +125,7 @@
   </p:defaultTextStyle>
   <p:extLst>
     <p:ext uri="{EFAFB233-063F-42B5-8137-9DF3F51BA10A}">
-      <p15:sldGuideLst xmlns="" xmlns:p15="http://schemas.microsoft.com/office/powerpoint/2012/main">
+      <p15:sldGuideLst xmlns:p15="http://schemas.microsoft.com/office/powerpoint/2012/main" xmlns="">
         <p15:guide id="1" orient="horz" pos="1620">
           <p15:clr>
             <a:srgbClr val="A4A3A4"/>
@@ -223,7 +224,7 @@
           <a:p>
             <a:fld id="{0F9B84EA-7D68-4D60-9CB1-D50884785D1C}" type="datetimeFigureOut">
               <a:rPr lang="zh-CN" altLang="en-US" smtClean="0"/>
-              <a:t>2019/01/15</a:t>
+              <a:t>2019/01/16</a:t>
             </a:fld>
             <a:endParaRPr lang="zh-CN" altLang="en-US"/>
           </a:p>
@@ -388,7 +389,7 @@
           <a:p>
             <a:fld id="{D2A48B96-639E-45A3-A0BA-2464DFDB1FAA}" type="datetimeFigureOut">
               <a:rPr lang="zh-CN" altLang="en-US" smtClean="0"/>
-              <a:t>2019/01/15</a:t>
+              <a:t>2019/01/16</a:t>
             </a:fld>
             <a:endParaRPr lang="zh-CN" altLang="en-US"/>
           </a:p>
@@ -828,15 +829,7 @@
             </a:r>
             <a:r>
               <a:rPr lang="zh-CN" altLang="en-US" dirty="0" smtClean="0"/>
-              <a:t>交给这一层，即交给前端</a:t>
-            </a:r>
-            <a:r>
-              <a:rPr lang="zh-CN" altLang="en-US" dirty="0" smtClean="0"/>
-              <a:t>，老的项目相当于后端逻辑要重写了呀，并且前端</a:t>
-            </a:r>
-            <a:r>
-              <a:rPr lang="zh-CN" altLang="en-US" dirty="0" smtClean="0"/>
-              <a:t>的权利增加了呢？（后端同学肯定不愿意呀）</a:t>
+              <a:t>交给这一层，即交给前端，老的项目相当于后端逻辑要重写了呀，并且前端的权利增加了呢？（后端同学肯定不愿意呀）</a:t>
             </a:r>
             <a:endParaRPr lang="en-US" altLang="zh-CN" dirty="0" smtClean="0"/>
           </a:p>
@@ -877,11 +870,7 @@
             </a:r>
             <a:r>
               <a:rPr lang="zh-CN" altLang="en-US" dirty="0" smtClean="0"/>
-              <a:t>所以目前还不能广泛被使用，各大厂商都在摸索自己的开发</a:t>
-            </a:r>
-            <a:r>
-              <a:rPr lang="zh-CN" altLang="en-US" dirty="0" smtClean="0"/>
-              <a:t>流程</a:t>
+              <a:t>所以目前还不能广泛被使用，各大厂商都在摸索自己的开发流程</a:t>
             </a:r>
             <a:endParaRPr lang="en-US" altLang="zh-CN" dirty="0" smtClean="0"/>
           </a:p>
@@ -1227,6 +1216,90 @@
 </p:notes>
 </file>
 
+<file path=ppt/notesSlides/notesSlide14.xml><?xml version="1.0" encoding="utf-8"?>
+<p:notes xmlns:a="http://schemas.openxmlformats.org/drawingml/2006/main" xmlns:r="http://schemas.openxmlformats.org/officeDocument/2006/relationships" xmlns:p="http://schemas.openxmlformats.org/presentationml/2006/main">
+  <p:cSld>
+    <p:spTree>
+      <p:nvGrpSpPr>
+        <p:cNvPr id="1" name=""/>
+        <p:cNvGrpSpPr/>
+        <p:nvPr/>
+      </p:nvGrpSpPr>
+      <p:grpSpPr>
+        <a:xfrm>
+          <a:off x="0" y="0"/>
+          <a:ext cx="0" cy="0"/>
+          <a:chOff x="0" y="0"/>
+          <a:chExt cx="0" cy="0"/>
+        </a:xfrm>
+      </p:grpSpPr>
+      <p:sp>
+        <p:nvSpPr>
+          <p:cNvPr id="2" name="幻灯片图像占位符 1"/>
+          <p:cNvSpPr>
+            <a:spLocks noGrp="1" noRot="1" noChangeAspect="1"/>
+          </p:cNvSpPr>
+          <p:nvPr>
+            <p:ph type="sldImg"/>
+          </p:nvPr>
+        </p:nvSpPr>
+        <p:spPr/>
+      </p:sp>
+      <p:sp>
+        <p:nvSpPr>
+          <p:cNvPr id="3" name="备注占位符 2"/>
+          <p:cNvSpPr>
+            <a:spLocks noGrp="1"/>
+          </p:cNvSpPr>
+          <p:nvPr>
+            <p:ph type="body" idx="1"/>
+          </p:nvPr>
+        </p:nvSpPr>
+        <p:spPr/>
+        <p:txBody>
+          <a:bodyPr/>
+          <a:lstStyle/>
+          <a:p>
+            <a:endParaRPr lang="zh-CN" altLang="en-US"/>
+          </a:p>
+        </p:txBody>
+      </p:sp>
+      <p:sp>
+        <p:nvSpPr>
+          <p:cNvPr id="4" name="灯片编号占位符 3"/>
+          <p:cNvSpPr>
+            <a:spLocks noGrp="1"/>
+          </p:cNvSpPr>
+          <p:nvPr>
+            <p:ph type="sldNum" sz="quarter" idx="10"/>
+          </p:nvPr>
+        </p:nvSpPr>
+        <p:spPr/>
+        <p:txBody>
+          <a:bodyPr/>
+          <a:lstStyle/>
+          <a:p>
+            <a:fld id="{A6837353-30EB-4A48-80EB-173D804AEFBD}" type="slidenum">
+              <a:rPr lang="zh-CN" altLang="en-US" smtClean="0"/>
+              <a:t>14</a:t>
+            </a:fld>
+            <a:endParaRPr lang="zh-CN" altLang="en-US"/>
+          </a:p>
+        </p:txBody>
+      </p:sp>
+    </p:spTree>
+    <p:extLst>
+      <p:ext uri="{BB962C8B-B14F-4D97-AF65-F5344CB8AC3E}">
+        <p14:creationId xmlns:p14="http://schemas.microsoft.com/office/powerpoint/2010/main" val="3878379220"/>
+      </p:ext>
+    </p:extLst>
+  </p:cSld>
+  <p:clrMapOvr>
+    <a:masterClrMapping/>
+  </p:clrMapOvr>
+</p:notes>
+</file>
+
 <file path=ppt/notesSlides/notesSlide2.xml><?xml version="1.0" encoding="utf-8"?>
 <p:notes xmlns:a="http://schemas.openxmlformats.org/drawingml/2006/main" xmlns:r="http://schemas.openxmlformats.org/officeDocument/2006/relationships" xmlns:p="http://schemas.openxmlformats.org/presentationml/2006/main">
   <p:cSld>
@@ -1751,11 +1824,7 @@
             </a:r>
             <a:r>
               <a:rPr lang="zh-CN" altLang="en-US" dirty="0" smtClean="0"/>
-              <a:t>门槛大大</a:t>
-            </a:r>
-            <a:r>
-              <a:rPr lang="zh-CN" altLang="en-US" dirty="0" smtClean="0"/>
-              <a:t>降低</a:t>
+              <a:t>门槛大大降低</a:t>
             </a:r>
             <a:endParaRPr lang="en-US" altLang="zh-CN" dirty="0" smtClean="0"/>
           </a:p>
@@ -1875,61 +1944,29 @@
             </a:r>
             <a:r>
               <a:rPr lang="zh-CN" altLang="en-US" dirty="0" smtClean="0"/>
-              <a:t>更加趋于</a:t>
+              <a:t>更加趋于稳定，目前使用最广泛的前后端分离模式</a:t>
+            </a:r>
+            <a:endParaRPr lang="en-US" altLang="zh-CN" dirty="0" smtClean="0"/>
+          </a:p>
+          <a:p>
+            <a:r>
+              <a:rPr lang="en-US" altLang="zh-CN" dirty="0" smtClean="0"/>
+              <a:t>2.</a:t>
             </a:r>
             <a:r>
               <a:rPr lang="zh-CN" altLang="en-US" dirty="0" smtClean="0"/>
-              <a:t>稳定，目前使用最广泛的前后端分离模式</a:t>
+              <a:t>但是同样存在一些缺陷，还是不够完美，那么历史的车轮继续前进吧，继续探索吧</a:t>
             </a:r>
             <a:endParaRPr lang="en-US" altLang="zh-CN" dirty="0" smtClean="0"/>
           </a:p>
           <a:p>
             <a:r>
               <a:rPr lang="en-US" altLang="zh-CN" dirty="0" smtClean="0"/>
-              <a:t>2</a:t>
-            </a:r>
-            <a:r>
-              <a:rPr lang="en-US" altLang="zh-CN" dirty="0" smtClean="0"/>
-              <a:t>.</a:t>
+              <a:t>3.</a:t>
             </a:r>
             <a:r>
               <a:rPr lang="zh-CN" altLang="en-US" dirty="0" smtClean="0"/>
-              <a:t>但是同样存在一些缺陷，还是不够完美，那么历史</a:t>
-            </a:r>
-            <a:r>
-              <a:rPr lang="zh-CN" altLang="en-US" dirty="0" smtClean="0"/>
-              <a:t>的</a:t>
-            </a:r>
-            <a:r>
-              <a:rPr lang="zh-CN" altLang="en-US" dirty="0" smtClean="0"/>
-              <a:t>车轮继续前进吧，继续</a:t>
-            </a:r>
-            <a:r>
-              <a:rPr lang="zh-CN" altLang="en-US" dirty="0" smtClean="0"/>
-              <a:t>探索吧</a:t>
-            </a:r>
-            <a:endParaRPr lang="en-US" altLang="zh-CN" dirty="0" smtClean="0"/>
-          </a:p>
-          <a:p>
-            <a:r>
-              <a:rPr lang="en-US" altLang="zh-CN" dirty="0" smtClean="0"/>
-              <a:t>3</a:t>
-            </a:r>
-            <a:r>
-              <a:rPr lang="en-US" altLang="zh-CN" dirty="0" smtClean="0"/>
-              <a:t>.</a:t>
-            </a:r>
-            <a:r>
-              <a:rPr lang="zh-CN" altLang="en-US" dirty="0" smtClean="0"/>
-              <a:t>到底怎么</a:t>
-            </a:r>
-            <a:r>
-              <a:rPr lang="zh-CN" altLang="en-US" dirty="0" smtClean="0"/>
-              <a:t>才能做到完全的前后端分离呢</a:t>
-            </a:r>
-            <a:r>
-              <a:rPr lang="zh-CN" altLang="en-US" dirty="0" smtClean="0"/>
-              <a:t>，随着</a:t>
+              <a:t>到底怎么才能做到完全的前后端分离呢，随着</a:t>
             </a:r>
             <a:r>
               <a:rPr lang="en-US" altLang="zh-CN" dirty="0" err="1" smtClean="0"/>
@@ -1937,19 +1974,7 @@
             </a:r>
             <a:r>
               <a:rPr lang="zh-CN" altLang="en-US" dirty="0" smtClean="0"/>
-              <a:t>的出现，前端</a:t>
-            </a:r>
-            <a:r>
-              <a:rPr lang="zh-CN" altLang="en-US" dirty="0" smtClean="0"/>
-              <a:t>大</a:t>
-            </a:r>
-            <a:r>
-              <a:rPr lang="zh-CN" altLang="en-US" dirty="0" smtClean="0"/>
-              <a:t>佬</a:t>
-            </a:r>
-            <a:r>
-              <a:rPr lang="zh-CN" altLang="en-US" dirty="0" smtClean="0"/>
-              <a:t>们慢慢的就又发现了一种新的开发模式</a:t>
+              <a:t>的出现，前端大佬们慢慢的就又发现了一种新的开发模式</a:t>
             </a:r>
             <a:endParaRPr lang="en-US" altLang="zh-CN" dirty="0" smtClean="0"/>
           </a:p>
@@ -2206,7 +2231,7 @@
           <a:p>
             <a:fld id="{82F288E0-7875-42C4-84C8-98DBBD3BF4D2}" type="datetimeFigureOut">
               <a:rPr lang="zh-CN" altLang="en-US" smtClean="0"/>
-              <a:t>2019/01/15</a:t>
+              <a:t>2019/01/16</a:t>
             </a:fld>
             <a:endParaRPr lang="zh-CN" altLang="en-US"/>
           </a:p>
@@ -2360,7 +2385,7 @@
           <a:p>
             <a:fld id="{82F288E0-7875-42C4-84C8-98DBBD3BF4D2}" type="datetimeFigureOut">
               <a:rPr lang="zh-CN" altLang="en-US" smtClean="0"/>
-              <a:t>2019/01/15</a:t>
+              <a:t>2019/01/16</a:t>
             </a:fld>
             <a:endParaRPr lang="zh-CN" altLang="en-US"/>
           </a:p>
@@ -2647,7 +2672,7 @@
           <a:p>
             <a:fld id="{82F288E0-7875-42C4-84C8-98DBBD3BF4D2}" type="datetimeFigureOut">
               <a:rPr lang="zh-CN" altLang="en-US" smtClean="0"/>
-              <a:t>2019/01/15</a:t>
+              <a:t>2019/01/16</a:t>
             </a:fld>
             <a:endParaRPr lang="zh-CN" altLang="en-US"/>
           </a:p>
@@ -2881,7 +2906,7 @@
           <a:p>
             <a:fld id="{82F288E0-7875-42C4-84C8-98DBBD3BF4D2}" type="datetimeFigureOut">
               <a:rPr lang="zh-CN" altLang="en-US" smtClean="0"/>
-              <a:t>2019/01/15</a:t>
+              <a:t>2019/01/16</a:t>
             </a:fld>
             <a:endParaRPr lang="zh-CN" altLang="en-US"/>
           </a:p>
@@ -3243,7 +3268,7 @@
           <a:p>
             <a:fld id="{82F288E0-7875-42C4-84C8-98DBBD3BF4D2}" type="datetimeFigureOut">
               <a:rPr lang="zh-CN" altLang="en-US" smtClean="0"/>
-              <a:t>2019/01/15</a:t>
+              <a:t>2019/01/16</a:t>
             </a:fld>
             <a:endParaRPr lang="zh-CN" altLang="en-US"/>
           </a:p>
@@ -3356,7 +3381,7 @@
           <a:p>
             <a:fld id="{82F288E0-7875-42C4-84C8-98DBBD3BF4D2}" type="datetimeFigureOut">
               <a:rPr lang="zh-CN" altLang="en-US" smtClean="0"/>
-              <a:t>2019/01/15</a:t>
+              <a:t>2019/01/16</a:t>
             </a:fld>
             <a:endParaRPr lang="zh-CN" altLang="en-US"/>
           </a:p>
@@ -3446,7 +3471,7 @@
           <a:p>
             <a:fld id="{82F288E0-7875-42C4-84C8-98DBBD3BF4D2}" type="datetimeFigureOut">
               <a:rPr lang="zh-CN" altLang="en-US" smtClean="0"/>
-              <a:t>2019/01/15</a:t>
+              <a:t>2019/01/16</a:t>
             </a:fld>
             <a:endParaRPr lang="zh-CN" altLang="en-US"/>
           </a:p>
@@ -3694,7 +3719,7 @@
           <a:p>
             <a:fld id="{82F288E0-7875-42C4-84C8-98DBBD3BF4D2}" type="datetimeFigureOut">
               <a:rPr lang="zh-CN" altLang="en-US" smtClean="0"/>
-              <a:t>2019/01/15</a:t>
+              <a:t>2019/01/16</a:t>
             </a:fld>
             <a:endParaRPr lang="zh-CN" altLang="en-US"/>
           </a:p>
@@ -3869,7 +3894,7 @@
           <a:p>
             <a:fld id="{82F288E0-7875-42C4-84C8-98DBBD3BF4D2}" type="datetimeFigureOut">
               <a:rPr lang="zh-CN" altLang="en-US" smtClean="0"/>
-              <a:t>2019/01/15</a:t>
+              <a:t>2019/01/16</a:t>
             </a:fld>
             <a:endParaRPr lang="zh-CN" altLang="en-US"/>
           </a:p>
@@ -4082,7 +4107,7 @@
           <a:p>
             <a:fld id="{82F288E0-7875-42C4-84C8-98DBBD3BF4D2}" type="datetimeFigureOut">
               <a:rPr lang="zh-CN" altLang="en-US" smtClean="0"/>
-              <a:t>2019/01/15</a:t>
+              <a:t>2019/01/16</a:t>
             </a:fld>
             <a:endParaRPr lang="zh-CN" altLang="en-US"/>
           </a:p>
@@ -4827,7 +4852,7 @@
         <p:spPr>
           <a:xfrm>
             <a:off x="3480013" y="1680611"/>
-            <a:ext cx="3417595" cy="1223412"/>
+            <a:ext cx="5293284" cy="838691"/>
           </a:xfrm>
           <a:prstGeom prst="rect">
             <a:avLst/>
@@ -4864,52 +4889,7 @@
                 </a:solidFill>
                 <a:cs typeface="+mn-ea"/>
               </a:rPr>
-              <a:t>目前比较成熟的前后端分离模式即前面所提到的以各个框架为主的开发模式</a:t>
-            </a:r>
-            <a:r>
-              <a:rPr lang="zh-CN" altLang="en-US" sz="1000" dirty="0" smtClean="0">
-                <a:solidFill>
-                  <a:schemeClr val="bg1"/>
-                </a:solidFill>
-                <a:cs typeface="+mn-ea"/>
-              </a:rPr>
-              <a:t>，</a:t>
-            </a:r>
-            <a:r>
-              <a:rPr lang="zh-CN" altLang="en-US" sz="1000" dirty="0" smtClean="0">
-                <a:solidFill>
-                  <a:schemeClr val="bg1"/>
-                </a:solidFill>
-                <a:cs typeface="+mn-ea"/>
-              </a:rPr>
-              <a:t>但是同样</a:t>
-            </a:r>
-            <a:r>
-              <a:rPr lang="zh-CN" altLang="en-US" sz="1000" dirty="0" smtClean="0">
-                <a:solidFill>
-                  <a:schemeClr val="bg1"/>
-                </a:solidFill>
-                <a:cs typeface="+mn-ea"/>
-              </a:rPr>
-              <a:t>存在前面所提到的一些</a:t>
-            </a:r>
-            <a:r>
-              <a:rPr lang="zh-CN" altLang="en-US" sz="1000" dirty="0" smtClean="0">
-                <a:solidFill>
-                  <a:schemeClr val="bg1"/>
-                </a:solidFill>
-                <a:cs typeface="+mn-ea"/>
-              </a:rPr>
-              <a:t>问题，没有达到前后端的完全</a:t>
-            </a:r>
-            <a:r>
-              <a:rPr lang="zh-CN" altLang="en-US" sz="1000" dirty="0" smtClean="0">
-                <a:solidFill>
-                  <a:schemeClr val="bg1"/>
-                </a:solidFill>
-                <a:cs typeface="+mn-ea"/>
-              </a:rPr>
-              <a:t>分离</a:t>
+              <a:t>目前比较成熟的前后端分离模式即前面所提到的以各个框架为主的开发模式，但是同样存在前面所提到的一些问题，没有达到前后端的完全分离</a:t>
             </a:r>
             <a:endParaRPr lang="en-US" altLang="zh-CN" sz="1000" dirty="0">
               <a:solidFill>
@@ -4962,16 +4942,7 @@
                 </a:solidFill>
                 <a:cs typeface="+mn-ea"/>
               </a:rPr>
-              <a:t>作为中间层进行数据逻辑的处理，</a:t>
-            </a:r>
-            <a:r>
-              <a:rPr lang="zh-CN" altLang="en-US" sz="1000" dirty="0" smtClean="0">
-                <a:solidFill>
-                  <a:schemeClr val="bg1"/>
-                </a:solidFill>
-                <a:cs typeface="+mn-ea"/>
-              </a:rPr>
-              <a:t>即数据</a:t>
+              <a:t>作为中间层进行数据逻辑的处理，即数据</a:t>
             </a:r>
             <a:r>
               <a:rPr lang="en-US" altLang="zh-CN" sz="1000" dirty="0" smtClean="0">
@@ -5345,10 +5316,10 @@
                 <a:cs typeface="+mn-ea"/>
                 <a:sym typeface="+mn-lt"/>
               </a:rPr>
-              <a:t>1</a:t>
-            </a:r>
-            <a:r>
-              <a:rPr lang="en-US" altLang="zh-CN" sz="1000" dirty="0" smtClean="0">
+              <a:t>1.</a:t>
+            </a:r>
+            <a:r>
+              <a:rPr lang="zh-CN" altLang="en-US" sz="1000" dirty="0" smtClean="0">
                 <a:solidFill>
                   <a:schemeClr val="tx1">
                     <a:lumMod val="75000"/>
@@ -5358,33 +5329,7 @@
                 <a:cs typeface="+mn-ea"/>
                 <a:sym typeface="+mn-lt"/>
               </a:rPr>
-              <a:t>.</a:t>
-            </a:r>
-            <a:r>
-              <a:rPr lang="zh-CN" altLang="en-US" sz="1000" dirty="0" smtClean="0">
-                <a:solidFill>
-                  <a:schemeClr val="tx1">
-                    <a:lumMod val="75000"/>
-                    <a:lumOff val="25000"/>
-                  </a:schemeClr>
-                </a:solidFill>
-                <a:cs typeface="+mn-ea"/>
-                <a:sym typeface="+mn-lt"/>
-              </a:rPr>
-              <a:t>有人说这</a:t>
-            </a:r>
-            <a:r>
-              <a:rPr lang="zh-CN" altLang="en-US" sz="1000" dirty="0" smtClean="0">
-                <a:solidFill>
-                  <a:schemeClr val="tx1">
-                    <a:lumMod val="75000"/>
-                    <a:lumOff val="25000"/>
-                  </a:schemeClr>
-                </a:solidFill>
-                <a:cs typeface="+mn-ea"/>
-                <a:sym typeface="+mn-lt"/>
-              </a:rPr>
-              <a:t>是一种向原始开发模式的回归 </a:t>
+              <a:t>有人说这是一种向原始开发模式的回归 </a:t>
             </a:r>
             <a:endParaRPr lang="en-US" altLang="zh-CN" sz="1000" dirty="0" smtClean="0">
               <a:solidFill>
@@ -5427,20 +5372,7 @@
                 <a:cs typeface="+mn-ea"/>
                 <a:sym typeface="+mn-lt"/>
               </a:rPr>
-              <a:t>对于前端开发人员来说，需要对服务端有一定的</a:t>
-            </a:r>
-            <a:r>
-              <a:rPr lang="zh-CN" altLang="en-US" sz="1000" dirty="0" smtClean="0">
-                <a:solidFill>
-                  <a:schemeClr val="tx1">
-                    <a:lumMod val="75000"/>
-                    <a:lumOff val="25000"/>
-                  </a:schemeClr>
-                </a:solidFill>
-                <a:cs typeface="+mn-ea"/>
-                <a:sym typeface="+mn-lt"/>
-              </a:rPr>
-              <a:t>了解（安全验证、服务器等）</a:t>
+              <a:t>对于前端开发人员来说，需要对服务端有一定的了解（安全验证、服务器等）</a:t>
             </a:r>
             <a:endParaRPr lang="en-US" altLang="zh-CN" sz="1000" dirty="0" smtClean="0">
               <a:solidFill>
@@ -6403,6 +6335,36 @@
           <a:chExt cx="0" cy="0"/>
         </a:xfrm>
       </p:grpSpPr>
+      <p:pic>
+        <p:nvPicPr>
+          <p:cNvPr id="3" name="图片 2"/>
+          <p:cNvPicPr>
+            <a:picLocks noChangeAspect="1"/>
+          </p:cNvPicPr>
+          <p:nvPr/>
+        </p:nvPicPr>
+        <p:blipFill>
+          <a:blip r:embed="rId3">
+            <a:extLst>
+              <a:ext uri="{28A0092B-C50C-407E-A947-70E740481C1C}">
+                <a14:useLocalDpi xmlns:a14="http://schemas.microsoft.com/office/drawing/2010/main" val="0"/>
+              </a:ext>
+            </a:extLst>
+          </a:blip>
+          <a:stretch>
+            <a:fillRect/>
+          </a:stretch>
+        </p:blipFill>
+        <p:spPr>
+          <a:xfrm>
+            <a:off x="0" y="0"/>
+            <a:ext cx="9144000" cy="5143500"/>
+          </a:xfrm>
+          <a:prstGeom prst="rect">
+            <a:avLst/>
+          </a:prstGeom>
+        </p:spPr>
+      </p:pic>
       <p:sp>
         <p:nvSpPr>
           <p:cNvPr id="2" name="椭圆 1"/>
@@ -6471,6 +6433,7 @@
           </a:bodyPr>
           <a:lstStyle/>
           <a:p>
+            <a:pPr algn="ctr"/>
             <a:r>
               <a:rPr lang="zh-CN" altLang="en-US" sz="3400" b="1" dirty="0" smtClean="0">
                 <a:solidFill>
@@ -7140,7 +7103,7 @@
             </a:lvl9pPr>
           </a:lstStyle>
           <a:p>
-            <a:pPr algn="ctr">
+            <a:pPr>
               <a:lnSpc>
                 <a:spcPts val="1500"/>
               </a:lnSpc>
@@ -7334,7 +7297,7 @@
             </a:lvl9pPr>
           </a:lstStyle>
           <a:p>
-            <a:pPr algn="ctr">
+            <a:pPr>
               <a:lnSpc>
                 <a:spcPts val="1500"/>
               </a:lnSpc>
@@ -9592,39 +9555,6 @@
           </a:fontRef>
         </p:style>
       </p:cxnSp>
-      <p:cxnSp>
-        <p:nvCxnSpPr>
-          <p:cNvPr id="6" name="直接箭头连接符 5"/>
-          <p:cNvCxnSpPr/>
-          <p:nvPr/>
-        </p:nvCxnSpPr>
-        <p:spPr>
-          <a:xfrm>
-            <a:off x="2553730" y="774357"/>
-            <a:ext cx="2319499" cy="4102443"/>
-          </a:xfrm>
-          <a:prstGeom prst="straightConnector1">
-            <a:avLst/>
-          </a:prstGeom>
-          <a:ln>
-            <a:tailEnd type="arrow"/>
-          </a:ln>
-        </p:spPr>
-        <p:style>
-          <a:lnRef idx="1">
-            <a:schemeClr val="accent1"/>
-          </a:lnRef>
-          <a:fillRef idx="0">
-            <a:schemeClr val="accent1"/>
-          </a:fillRef>
-          <a:effectRef idx="0">
-            <a:schemeClr val="accent1"/>
-          </a:effectRef>
-          <a:fontRef idx="minor">
-            <a:schemeClr val="tx1"/>
-          </a:fontRef>
-        </p:style>
-      </p:cxnSp>
     </p:spTree>
     <p:extLst>
       <p:ext uri="{BB962C8B-B14F-4D97-AF65-F5344CB8AC3E}">
@@ -10739,97 +10669,6 @@
                                         </p:tgtEl>
                                       </p:cBhvr>
                                     </p:animEffect>
-                                  </p:childTnLst>
-                                </p:cTn>
-                              </p:par>
-                            </p:childTnLst>
-                          </p:cTn>
-                        </p:par>
-                      </p:childTnLst>
-                    </p:cTn>
-                  </p:par>
-                  <p:par>
-                    <p:cTn id="84" fill="hold">
-                      <p:stCondLst>
-                        <p:cond delay="indefinite"/>
-                      </p:stCondLst>
-                      <p:childTnLst>
-                        <p:par>
-                          <p:cTn id="85" fill="hold">
-                            <p:stCondLst>
-                              <p:cond delay="0"/>
-                            </p:stCondLst>
-                            <p:childTnLst>
-                              <p:par>
-                                <p:cTn id="86" presetID="2" presetClass="entr" presetSubtype="4" fill="hold" nodeType="clickEffect">
-                                  <p:stCondLst>
-                                    <p:cond delay="0"/>
-                                  </p:stCondLst>
-                                  <p:childTnLst>
-                                    <p:set>
-                                      <p:cBhvr>
-                                        <p:cTn id="87" dur="1" fill="hold">
-                                          <p:stCondLst>
-                                            <p:cond delay="0"/>
-                                          </p:stCondLst>
-                                        </p:cTn>
-                                        <p:tgtEl>
-                                          <p:spTgt spid="6"/>
-                                        </p:tgtEl>
-                                        <p:attrNameLst>
-                                          <p:attrName>style.visibility</p:attrName>
-                                        </p:attrNameLst>
-                                      </p:cBhvr>
-                                      <p:to>
-                                        <p:strVal val="visible"/>
-                                      </p:to>
-                                    </p:set>
-                                    <p:anim calcmode="lin" valueType="num">
-                                      <p:cBhvr additive="base">
-                                        <p:cTn id="88" dur="500" fill="hold"/>
-                                        <p:tgtEl>
-                                          <p:spTgt spid="6"/>
-                                        </p:tgtEl>
-                                        <p:attrNameLst>
-                                          <p:attrName>ppt_x</p:attrName>
-                                        </p:attrNameLst>
-                                      </p:cBhvr>
-                                      <p:tavLst>
-                                        <p:tav tm="0">
-                                          <p:val>
-                                            <p:strVal val="#ppt_x"/>
-                                          </p:val>
-                                        </p:tav>
-                                        <p:tav tm="100000">
-                                          <p:val>
-                                            <p:strVal val="#ppt_x"/>
-                                          </p:val>
-                                        </p:tav>
-                                      </p:tavLst>
-                                    </p:anim>
-                                    <p:anim calcmode="lin" valueType="num">
-                                      <p:cBhvr additive="base">
-                                        <p:cTn id="89" dur="500" fill="hold"/>
-                                        <p:tgtEl>
-                                          <p:spTgt spid="6"/>
-                                        </p:tgtEl>
-                                        <p:attrNameLst>
-                                          <p:attrName>ppt_y</p:attrName>
-                                        </p:attrNameLst>
-                                      </p:cBhvr>
-                                      <p:tavLst>
-                                        <p:tav tm="0">
-                                          <p:val>
-                                            <p:strVal val="1+#ppt_h/2"/>
-                                          </p:val>
-                                        </p:tav>
-                                        <p:tav tm="100000">
-                                          <p:val>
-                                            <p:strVal val="#ppt_y"/>
-                                          </p:val>
-                                        </p:tav>
-                                      </p:tavLst>
-                                    </p:anim>
                                   </p:childTnLst>
                                 </p:cTn>
                               </p:par>
@@ -10907,6 +10746,80 @@
           <a:chExt cx="0" cy="0"/>
         </a:xfrm>
       </p:grpSpPr>
+      <p:pic>
+        <p:nvPicPr>
+          <p:cNvPr id="2" name="图片 1"/>
+          <p:cNvPicPr>
+            <a:picLocks noChangeAspect="1"/>
+          </p:cNvPicPr>
+          <p:nvPr/>
+        </p:nvPicPr>
+        <p:blipFill>
+          <a:blip r:embed="rId4">
+            <a:extLst>
+              <a:ext uri="{28A0092B-C50C-407E-A947-70E740481C1C}">
+                <a14:useLocalDpi xmlns:a14="http://schemas.microsoft.com/office/drawing/2010/main" val="0"/>
+              </a:ext>
+            </a:extLst>
+          </a:blip>
+          <a:stretch>
+            <a:fillRect/>
+          </a:stretch>
+        </p:blipFill>
+        <p:spPr>
+          <a:xfrm>
+            <a:off x="914083" y="651343"/>
+            <a:ext cx="7315834" cy="3840813"/>
+          </a:xfrm>
+          <a:prstGeom prst="rect">
+            <a:avLst/>
+          </a:prstGeom>
+        </p:spPr>
+      </p:pic>
+    </p:spTree>
+  </p:cSld>
+  <p:clrMapOvr>
+    <a:masterClrMapping/>
+  </p:clrMapOvr>
+  <mc:AlternateContent xmlns:mc="http://schemas.openxmlformats.org/markup-compatibility/2006" xmlns:p14="http://schemas.microsoft.com/office/powerpoint/2010/main">
+    <mc:Choice Requires="p14">
+      <p:transition spd="med" p14:dur="700">
+        <p:fade/>
+      </p:transition>
+    </mc:Choice>
+    <mc:Fallback xmlns="">
+      <p:transition spd="med">
+        <p:fade/>
+      </p:transition>
+    </mc:Fallback>
+  </mc:AlternateContent>
+  <p:timing>
+    <p:tnLst>
+      <p:par>
+        <p:cTn id="1" dur="indefinite" restart="never" nodeType="tmRoot"/>
+      </p:par>
+    </p:tnLst>
+  </p:timing>
+</p:sld>
+</file>
+
+<file path=ppt/slides/slide14.xml><?xml version="1.0" encoding="utf-8"?>
+<p:sld xmlns:a="http://schemas.openxmlformats.org/drawingml/2006/main" xmlns:r="http://schemas.openxmlformats.org/officeDocument/2006/relationships" xmlns:p="http://schemas.openxmlformats.org/presentationml/2006/main">
+  <p:cSld>
+    <p:spTree>
+      <p:nvGrpSpPr>
+        <p:cNvPr id="1" name=""/>
+        <p:cNvGrpSpPr/>
+        <p:nvPr/>
+      </p:nvGrpSpPr>
+      <p:grpSpPr>
+        <a:xfrm>
+          <a:off x="0" y="0"/>
+          <a:ext cx="0" cy="0"/>
+          <a:chOff x="0" y="0"/>
+          <a:chExt cx="0" cy="0"/>
+        </a:xfrm>
+      </p:grpSpPr>
       <p:sp>
         <p:nvSpPr>
           <p:cNvPr id="10" name="文本框 9"/>
@@ -10946,6 +10859,11 @@
         </p:txBody>
       </p:sp>
     </p:spTree>
+    <p:extLst>
+      <p:ext uri="{BB962C8B-B14F-4D97-AF65-F5344CB8AC3E}">
+        <p14:creationId xmlns:p14="http://schemas.microsoft.com/office/powerpoint/2010/main" val="86296663"/>
+      </p:ext>
+    </p:extLst>
   </p:cSld>
   <p:clrMapOvr>
     <a:masterClrMapping/>
@@ -12832,16 +12750,7 @@
                 </a:solidFill>
                 <a:cs typeface="+mn-ea"/>
               </a:rPr>
-              <a:t>Tim </a:t>
-            </a:r>
-            <a:r>
-              <a:rPr lang="en-US" altLang="zh-CN" sz="1000" dirty="0" smtClean="0">
-                <a:solidFill>
-                  <a:schemeClr val="bg1"/>
-                </a:solidFill>
-                <a:cs typeface="+mn-ea"/>
-              </a:rPr>
-              <a:t>Berners-Lee</a:t>
+              <a:t>Tim Berners-Lee</a:t>
             </a:r>
             <a:r>
               <a:rPr lang="zh-CN" altLang="en-US" sz="1000" dirty="0" smtClean="0">
@@ -15186,7 +15095,7 @@
         <p:spPr>
           <a:xfrm>
             <a:off x="5344561" y="3965048"/>
-            <a:ext cx="3106095" cy="646331"/>
+            <a:ext cx="3106095" cy="436402"/>
           </a:xfrm>
           <a:prstGeom prst="rect">
             <a:avLst/>
@@ -15240,27 +15149,10 @@
                 <a:cs typeface="+mn-ea"/>
                 <a:sym typeface="+mn-lt"/>
               </a:rPr>
-              <a:t>前后端职责不清晰，随着项目的不断累积，可维护性越来越差</a:t>
-            </a:r>
-            <a:endParaRPr lang="en-US" altLang="zh-CN" sz="1000" dirty="0" smtClean="0">
-              <a:solidFill>
-                <a:schemeClr val="tx1">
-                  <a:lumMod val="75000"/>
-                  <a:lumOff val="25000"/>
-                </a:schemeClr>
-              </a:solidFill>
-              <a:cs typeface="+mn-ea"/>
-              <a:sym typeface="+mn-lt"/>
-            </a:endParaRPr>
-          </a:p>
-          <a:p>
-            <a:pPr>
-              <a:lnSpc>
-                <a:spcPts val="1500"/>
-              </a:lnSpc>
-            </a:pPr>
-            <a:r>
-              <a:rPr lang="en-US" altLang="zh-CN" sz="1000" dirty="0" smtClean="0">
+              <a:t>前后端职责不清晰，随着项目的不断累积，可维护性越来越</a:t>
+            </a:r>
+            <a:r>
+              <a:rPr lang="zh-CN" altLang="en-US" sz="1000" dirty="0" smtClean="0">
                 <a:solidFill>
                   <a:schemeClr val="tx1">
                     <a:lumMod val="75000"/>
@@ -15270,22 +15162,9 @@
                 <a:cs typeface="+mn-ea"/>
                 <a:sym typeface="+mn-lt"/>
               </a:rPr>
-              <a:t>2.</a:t>
-            </a:r>
-            <a:r>
-              <a:rPr lang="zh-CN" altLang="en-US" sz="1000" dirty="0" smtClean="0">
-                <a:solidFill>
-                  <a:schemeClr val="tx1">
-                    <a:lumMod val="75000"/>
-                    <a:lumOff val="25000"/>
-                  </a:schemeClr>
-                </a:solidFill>
-                <a:cs typeface="+mn-ea"/>
-                <a:sym typeface="+mn-lt"/>
-              </a:rPr>
-              <a:t>前端开发无法本地化，影响开发效率</a:t>
-            </a:r>
-            <a:endParaRPr lang="en-US" altLang="zh-CN" sz="1000" dirty="0">
+              <a:t>差</a:t>
+            </a:r>
+            <a:endParaRPr lang="en-US" altLang="zh-CN" sz="1000" dirty="0" smtClean="0">
               <a:solidFill>
                 <a:schemeClr val="tx1">
                   <a:lumMod val="75000"/>
@@ -16503,20 +16382,7 @@
                 <a:cs typeface="+mn-ea"/>
                 <a:sym typeface="+mn-lt"/>
               </a:rPr>
-              <a:t>相比早期时代，前后端分工</a:t>
-            </a:r>
-            <a:r>
-              <a:rPr lang="zh-CN" altLang="en-US" sz="1000" dirty="0" smtClean="0">
-                <a:solidFill>
-                  <a:schemeClr val="tx1">
-                    <a:lumMod val="75000"/>
-                    <a:lumOff val="25000"/>
-                  </a:schemeClr>
-                </a:solidFill>
-                <a:cs typeface="+mn-ea"/>
-                <a:sym typeface="+mn-lt"/>
-              </a:rPr>
-              <a:t>相对</a:t>
+              <a:t>相比早期时代，前后端分工相对</a:t>
             </a:r>
             <a:r>
               <a:rPr lang="zh-CN" altLang="en-US" sz="1000" dirty="0">
@@ -17793,16 +17659,7 @@
                 </a:solidFill>
                 <a:cs typeface="+mn-ea"/>
               </a:rPr>
-              <a:t>接口请求数据，前后端</a:t>
-            </a:r>
-            <a:r>
-              <a:rPr lang="zh-CN" altLang="en-US" sz="1000" dirty="0" smtClean="0">
-                <a:solidFill>
-                  <a:schemeClr val="bg1"/>
-                </a:solidFill>
-                <a:cs typeface="+mn-ea"/>
-              </a:rPr>
-              <a:t>分工貌似非常清晰明了</a:t>
+              <a:t>接口请求数据，前后端分工貌似非常清晰明了</a:t>
             </a:r>
             <a:endParaRPr lang="en-US" altLang="zh-CN" sz="1000" dirty="0" smtClean="0">
               <a:solidFill>
@@ -17839,7 +17696,17 @@
                 <a:cs typeface="+mn-ea"/>
                 <a:sym typeface="+mn-lt"/>
               </a:rPr>
-              <a:t>同时，各大公司在不断的探索过程中推出了各自的接口规范以及接口平台</a:t>
+              <a:t>同时，各大公司在不断的探索过程中推出了各自的接口规范以及接口平台（如：阿里妈妈的</a:t>
+            </a:r>
+            <a:r>
+              <a:rPr lang="en-US" altLang="zh-CN" sz="1000" dirty="0" smtClean="0">
+                <a:solidFill>
+                  <a:schemeClr val="bg1"/>
+                </a:solidFill>
+                <a:cs typeface="+mn-ea"/>
+                <a:sym typeface="+mn-lt"/>
+              </a:rPr>
+              <a:t>RAP</a:t>
             </a:r>
             <a:r>
               <a:rPr lang="zh-CN" altLang="en-US" sz="1000" dirty="0" smtClean="0">
@@ -17849,7 +17716,17 @@
                 <a:cs typeface="+mn-ea"/>
                 <a:sym typeface="+mn-lt"/>
               </a:rPr>
-              <a:t>（如：阿里</a:t>
+              <a:t>，具有接口自动化、</a:t>
+            </a:r>
+            <a:r>
+              <a:rPr lang="en-US" altLang="zh-CN" sz="1000" dirty="0" smtClean="0">
+                <a:solidFill>
+                  <a:schemeClr val="bg1"/>
+                </a:solidFill>
+                <a:cs typeface="+mn-ea"/>
+                <a:sym typeface="+mn-lt"/>
+              </a:rPr>
+              <a:t>MOCK</a:t>
             </a:r>
             <a:r>
               <a:rPr lang="zh-CN" altLang="en-US" sz="1000" dirty="0" smtClean="0">
@@ -17859,67 +17736,7 @@
                 <a:cs typeface="+mn-ea"/>
                 <a:sym typeface="+mn-lt"/>
               </a:rPr>
-              <a:t>妈妈的</a:t>
-            </a:r>
-            <a:r>
-              <a:rPr lang="en-US" altLang="zh-CN" sz="1000" dirty="0" smtClean="0">
-                <a:solidFill>
-                  <a:schemeClr val="bg1"/>
-                </a:solidFill>
-                <a:cs typeface="+mn-ea"/>
-                <a:sym typeface="+mn-lt"/>
-              </a:rPr>
-              <a:t>RAP</a:t>
-            </a:r>
-            <a:r>
-              <a:rPr lang="zh-CN" altLang="en-US" sz="1000" dirty="0" smtClean="0">
-                <a:solidFill>
-                  <a:schemeClr val="bg1"/>
-                </a:solidFill>
-                <a:cs typeface="+mn-ea"/>
-                <a:sym typeface="+mn-lt"/>
-              </a:rPr>
-              <a:t>，具有接口</a:t>
-            </a:r>
-            <a:r>
-              <a:rPr lang="zh-CN" altLang="en-US" sz="1000" dirty="0" smtClean="0">
-                <a:solidFill>
-                  <a:schemeClr val="bg1"/>
-                </a:solidFill>
-                <a:cs typeface="+mn-ea"/>
-                <a:sym typeface="+mn-lt"/>
-              </a:rPr>
-              <a:t>自动化、</a:t>
-            </a:r>
-            <a:r>
-              <a:rPr lang="en-US" altLang="zh-CN" sz="1000" dirty="0" smtClean="0">
-                <a:solidFill>
-                  <a:schemeClr val="bg1"/>
-                </a:solidFill>
-                <a:cs typeface="+mn-ea"/>
-                <a:sym typeface="+mn-lt"/>
-              </a:rPr>
-              <a:t>MOCK</a:t>
-            </a:r>
-            <a:r>
-              <a:rPr lang="zh-CN" altLang="en-US" sz="1000" dirty="0" smtClean="0">
-                <a:solidFill>
-                  <a:schemeClr val="bg1"/>
-                </a:solidFill>
-                <a:cs typeface="+mn-ea"/>
-                <a:sym typeface="+mn-lt"/>
-              </a:rPr>
-              <a:t>数据自动生成、自动化测试</a:t>
-            </a:r>
-            <a:r>
-              <a:rPr lang="zh-CN" altLang="en-US" sz="1000" dirty="0" smtClean="0">
-                <a:solidFill>
-                  <a:schemeClr val="bg1"/>
-                </a:solidFill>
-                <a:cs typeface="+mn-ea"/>
-                <a:sym typeface="+mn-lt"/>
-              </a:rPr>
-              <a:t>等特点）</a:t>
+              <a:t>数据自动生成、自动化测试等特点）</a:t>
             </a:r>
             <a:endParaRPr lang="en-US" altLang="zh-CN" sz="1000" dirty="0">
               <a:solidFill>
@@ -18282,10 +18099,10 @@
                 <a:cs typeface="+mn-ea"/>
                 <a:sym typeface="+mn-lt"/>
               </a:rPr>
-              <a:t>代码</a:t>
-            </a:r>
-            <a:r>
-              <a:rPr lang="zh-CN" altLang="en-US" sz="1000" dirty="0" smtClean="0">
+              <a:t>代码与</a:t>
+            </a:r>
+            <a:r>
+              <a:rPr lang="en-US" altLang="zh-CN" sz="1000" dirty="0" smtClean="0">
                 <a:solidFill>
                   <a:schemeClr val="tx1">
                     <a:lumMod val="75000"/>
@@ -18295,33 +18112,7 @@
                 <a:cs typeface="+mn-ea"/>
                 <a:sym typeface="+mn-lt"/>
               </a:rPr>
-              <a:t>与</a:t>
-            </a:r>
-            <a:r>
-              <a:rPr lang="en-US" altLang="zh-CN" sz="1000" dirty="0" smtClean="0">
-                <a:solidFill>
-                  <a:schemeClr val="tx1">
-                    <a:lumMod val="75000"/>
-                    <a:lumOff val="25000"/>
-                  </a:schemeClr>
-                </a:solidFill>
-                <a:cs typeface="+mn-ea"/>
-                <a:sym typeface="+mn-lt"/>
-              </a:rPr>
-              <a:t>V</a:t>
-            </a:r>
-            <a:r>
-              <a:rPr lang="en-US" altLang="zh-CN" sz="1000" dirty="0" smtClean="0">
-                <a:solidFill>
-                  <a:schemeClr val="tx1">
-                    <a:lumMod val="75000"/>
-                    <a:lumOff val="25000"/>
-                  </a:schemeClr>
-                </a:solidFill>
-                <a:cs typeface="+mn-ea"/>
-                <a:sym typeface="+mn-lt"/>
-              </a:rPr>
-              <a:t>iew</a:t>
+              <a:t>View</a:t>
             </a:r>
             <a:r>
               <a:rPr lang="zh-CN" altLang="en-US" sz="1000" dirty="0" smtClean="0">
@@ -18364,10 +18155,10 @@
                 <a:cs typeface="+mn-ea"/>
                 <a:sym typeface="+mn-lt"/>
               </a:rPr>
-              <a:t>2</a:t>
-            </a:r>
-            <a:r>
-              <a:rPr lang="en-US" altLang="zh-CN" sz="1000" dirty="0" smtClean="0">
+              <a:t>2.</a:t>
+            </a:r>
+            <a:r>
+              <a:rPr lang="zh-CN" altLang="en-US" sz="1000" dirty="0" smtClean="0">
                 <a:solidFill>
                   <a:schemeClr val="tx1">
                     <a:lumMod val="75000"/>
@@ -18377,10 +18168,10 @@
                 <a:cs typeface="+mn-ea"/>
                 <a:sym typeface="+mn-lt"/>
               </a:rPr>
-              <a:t>.</a:t>
-            </a:r>
-            <a:r>
-              <a:rPr lang="zh-CN" altLang="en-US" sz="1000" dirty="0" smtClean="0">
+              <a:t>前端代码中（</a:t>
+            </a:r>
+            <a:r>
+              <a:rPr lang="en-US" altLang="zh-CN" sz="1000" dirty="0">
                 <a:solidFill>
                   <a:schemeClr val="tx1">
                     <a:lumMod val="75000"/>
@@ -18390,10 +18181,10 @@
                 <a:cs typeface="+mn-ea"/>
                 <a:sym typeface="+mn-lt"/>
               </a:rPr>
-              <a:t>前端代码中（</a:t>
-            </a:r>
-            <a:r>
-              <a:rPr lang="en-US" altLang="zh-CN" sz="1000" dirty="0">
+              <a:t> View</a:t>
+            </a:r>
+            <a:r>
+              <a:rPr lang="zh-CN" altLang="en-US" sz="1000" dirty="0">
                 <a:solidFill>
                   <a:schemeClr val="tx1">
                     <a:lumMod val="75000"/>
@@ -18403,10 +18194,10 @@
                 <a:cs typeface="+mn-ea"/>
                 <a:sym typeface="+mn-lt"/>
               </a:rPr>
-              <a:t> View</a:t>
-            </a:r>
-            <a:r>
-              <a:rPr lang="zh-CN" altLang="en-US" sz="1000" dirty="0">
+              <a:t>层）包含</a:t>
+            </a:r>
+            <a:r>
+              <a:rPr lang="zh-CN" altLang="en-US" sz="1000" dirty="0" smtClean="0">
                 <a:solidFill>
                   <a:schemeClr val="tx1">
                     <a:lumMod val="75000"/>
@@ -18416,33 +18207,7 @@
                 <a:cs typeface="+mn-ea"/>
                 <a:sym typeface="+mn-lt"/>
               </a:rPr>
-              <a:t>层）包含</a:t>
-            </a:r>
-            <a:r>
-              <a:rPr lang="zh-CN" altLang="en-US" sz="1000" dirty="0" smtClean="0">
-                <a:solidFill>
-                  <a:schemeClr val="tx1">
-                    <a:lumMod val="75000"/>
-                    <a:lumOff val="25000"/>
-                  </a:schemeClr>
-                </a:solidFill>
-                <a:cs typeface="+mn-ea"/>
-                <a:sym typeface="+mn-lt"/>
-              </a:rPr>
-              <a:t>大量业务</a:t>
-            </a:r>
-            <a:r>
-              <a:rPr lang="zh-CN" altLang="en-US" sz="1000" dirty="0" smtClean="0">
-                <a:solidFill>
-                  <a:schemeClr val="tx1">
-                    <a:lumMod val="75000"/>
-                    <a:lumOff val="25000"/>
-                  </a:schemeClr>
-                </a:solidFill>
-                <a:cs typeface="+mn-ea"/>
-                <a:sym typeface="+mn-lt"/>
-              </a:rPr>
-              <a:t>逻辑</a:t>
+              <a:t>大量业务逻辑</a:t>
             </a:r>
             <a:endParaRPr lang="en-US" altLang="zh-CN" sz="1000" dirty="0" smtClean="0">
               <a:solidFill>
@@ -19934,33 +19699,7 @@
                 <a:cs typeface="+mn-ea"/>
                 <a:sym typeface="+mn-lt"/>
               </a:rPr>
-              <a:t>前端和后端</a:t>
-            </a:r>
-            <a:r>
-              <a:rPr lang="zh-CN" altLang="en-US" sz="1000" dirty="0" smtClean="0">
-                <a:solidFill>
-                  <a:schemeClr val="tx1">
-                    <a:lumMod val="75000"/>
-                    <a:lumOff val="25000"/>
-                  </a:schemeClr>
-                </a:solidFill>
-                <a:cs typeface="+mn-ea"/>
-                <a:sym typeface="+mn-lt"/>
-              </a:rPr>
-              <a:t>之间一样存在</a:t>
-            </a:r>
-            <a:r>
-              <a:rPr lang="zh-CN" altLang="en-US" sz="1000" dirty="0" smtClean="0">
-                <a:solidFill>
-                  <a:schemeClr val="tx1">
-                    <a:lumMod val="75000"/>
-                    <a:lumOff val="25000"/>
-                  </a:schemeClr>
-                </a:solidFill>
-                <a:cs typeface="+mn-ea"/>
-                <a:sym typeface="+mn-lt"/>
-              </a:rPr>
-              <a:t>着业务逻辑的重合（前端校验的同时，后端也必须进行校验），校验代码不能复用 </a:t>
+              <a:t>前端和后端之间一样存在着业务逻辑的重合（前端校验的同时，后端也必须进行校验），校验代码不能复用 </a:t>
             </a:r>
             <a:endParaRPr lang="en-US" altLang="zh-CN" sz="1000" dirty="0" smtClean="0">
               <a:solidFill>
@@ -20959,6 +20698,36 @@
           <a:chExt cx="0" cy="0"/>
         </a:xfrm>
       </p:grpSpPr>
+      <p:pic>
+        <p:nvPicPr>
+          <p:cNvPr id="3" name="图片 2"/>
+          <p:cNvPicPr>
+            <a:picLocks noChangeAspect="1"/>
+          </p:cNvPicPr>
+          <p:nvPr/>
+        </p:nvPicPr>
+        <p:blipFill>
+          <a:blip r:embed="rId3">
+            <a:extLst>
+              <a:ext uri="{28A0092B-C50C-407E-A947-70E740481C1C}">
+                <a14:useLocalDpi xmlns:a14="http://schemas.microsoft.com/office/drawing/2010/main" val="0"/>
+              </a:ext>
+            </a:extLst>
+          </a:blip>
+          <a:stretch>
+            <a:fillRect/>
+          </a:stretch>
+        </p:blipFill>
+        <p:spPr>
+          <a:xfrm>
+            <a:off x="0" y="0"/>
+            <a:ext cx="9144000" cy="5143500"/>
+          </a:xfrm>
+          <a:prstGeom prst="rect">
+            <a:avLst/>
+          </a:prstGeom>
+        </p:spPr>
+      </p:pic>
       <p:sp>
         <p:nvSpPr>
           <p:cNvPr id="2" name="椭圆 1"/>
@@ -21677,7 +21446,7 @@
   <a:extraClrSchemeLst/>
   <a:extLst>
     <a:ext uri="{05A4C25C-085E-4340-85A3-A5531E510DB2}">
-      <thm15:themeFamily xmlns="" xmlns:thm15="http://schemas.microsoft.com/office/thememl/2012/main" name="Office Theme" id="{62F939B6-93AF-4DB8-9C6B-D6C7DFDC589F}" vid="{4A3C46E8-61CC-4603-A589-7422A47A8E4A}"/>
+      <thm15:themeFamily xmlns:thm15="http://schemas.microsoft.com/office/thememl/2012/main" xmlns="" name="Office Theme" id="{62F939B6-93AF-4DB8-9C6B-D6C7DFDC589F}" vid="{4A3C46E8-61CC-4603-A589-7422A47A8E4A}"/>
     </a:ext>
   </a:extLst>
 </a:theme>
@@ -21938,7 +21707,7 @@
   <a:extraClrSchemeLst/>
   <a:extLst>
     <a:ext uri="{05A4C25C-085E-4340-85A3-A5531E510DB2}">
-      <thm15:themeFamily xmlns="" xmlns:thm15="http://schemas.microsoft.com/office/thememl/2012/main" name="Office Theme" id="{62F939B6-93AF-4DB8-9C6B-D6C7DFDC589F}" vid="{4A3C46E8-61CC-4603-A589-7422A47A8E4A}"/>
+      <thm15:themeFamily xmlns:thm15="http://schemas.microsoft.com/office/thememl/2012/main" xmlns="" name="Office Theme" id="{62F939B6-93AF-4DB8-9C6B-D6C7DFDC589F}" vid="{4A3C46E8-61CC-4603-A589-7422A47A8E4A}"/>
     </a:ext>
   </a:extLst>
 </a:theme>
@@ -22199,7 +21968,7 @@
   <a:extraClrSchemeLst/>
   <a:extLst>
     <a:ext uri="{05A4C25C-085E-4340-85A3-A5531E510DB2}">
-      <thm15:themeFamily xmlns="" xmlns:thm15="http://schemas.microsoft.com/office/thememl/2012/main" name="Office Theme" id="{62F939B6-93AF-4DB8-9C6B-D6C7DFDC589F}" vid="{4A3C46E8-61CC-4603-A589-7422A47A8E4A}"/>
+      <thm15:themeFamily xmlns:thm15="http://schemas.microsoft.com/office/thememl/2012/main" xmlns="" name="Office Theme" id="{62F939B6-93AF-4DB8-9C6B-D6C7DFDC589F}" vid="{4A3C46E8-61CC-4603-A589-7422A47A8E4A}"/>
     </a:ext>
   </a:extLst>
 </a:theme>

--- a/前后端分离了吗.pptx
+++ b/前后端分离了吗.pptx
@@ -5,10 +5,10 @@
     <p:sldMasterId id="2147483648" r:id="rId1"/>
   </p:sldMasterIdLst>
   <p:notesMasterIdLst>
-    <p:notesMasterId r:id="rId16"/>
+    <p:notesMasterId r:id="rId17"/>
   </p:notesMasterIdLst>
   <p:handoutMasterIdLst>
-    <p:handoutMasterId r:id="rId17"/>
+    <p:handoutMasterId r:id="rId18"/>
   </p:handoutMasterIdLst>
   <p:sldIdLst>
     <p:sldId id="256" r:id="rId2"/>
@@ -21,10 +21,11 @@
     <p:sldId id="294" r:id="rId9"/>
     <p:sldId id="293" r:id="rId10"/>
     <p:sldId id="295" r:id="rId11"/>
-    <p:sldId id="300" r:id="rId12"/>
-    <p:sldId id="296" r:id="rId13"/>
-    <p:sldId id="288" r:id="rId14"/>
-    <p:sldId id="301" r:id="rId15"/>
+    <p:sldId id="302" r:id="rId12"/>
+    <p:sldId id="300" r:id="rId13"/>
+    <p:sldId id="296" r:id="rId14"/>
+    <p:sldId id="288" r:id="rId15"/>
+    <p:sldId id="301" r:id="rId16"/>
   </p:sldIdLst>
   <p:sldSz cx="9144000" cy="5143500" type="screen16x9"/>
   <p:notesSz cx="6858000" cy="9144000"/>
@@ -224,7 +225,7 @@
           <a:p>
             <a:fld id="{0F9B84EA-7D68-4D60-9CB1-D50884785D1C}" type="datetimeFigureOut">
               <a:rPr lang="zh-CN" altLang="en-US" smtClean="0"/>
-              <a:t>2019/01/16</a:t>
+              <a:t>2019/1/17</a:t>
             </a:fld>
             <a:endParaRPr lang="zh-CN" altLang="en-US"/>
           </a:p>
@@ -389,7 +390,7 @@
           <a:p>
             <a:fld id="{D2A48B96-639E-45A3-A0BA-2464DFDB1FAA}" type="datetimeFigureOut">
               <a:rPr lang="zh-CN" altLang="en-US" smtClean="0"/>
-              <a:t>2019/01/16</a:t>
+              <a:t>2019/1/17</a:t>
             </a:fld>
             <a:endParaRPr lang="zh-CN" altLang="en-US"/>
           </a:p>
@@ -1008,7 +1009,7 @@
           <a:bodyPr/>
           <a:lstStyle/>
           <a:p>
-            <a:endParaRPr lang="zh-CN" altLang="en-US" dirty="0"/>
+            <a:endParaRPr lang="zh-CN" altLang="en-US"/>
           </a:p>
         </p:txBody>
       </p:sp>
@@ -1038,7 +1039,7 @@
     </p:spTree>
     <p:extLst>
       <p:ext uri="{BB962C8B-B14F-4D97-AF65-F5344CB8AC3E}">
-        <p14:creationId xmlns:p14="http://schemas.microsoft.com/office/powerpoint/2010/main" val="1779050743"/>
+        <p14:creationId xmlns:p14="http://schemas.microsoft.com/office/powerpoint/2010/main" val="3878379220"/>
       </p:ext>
     </p:extLst>
   </p:cSld>
@@ -1092,7 +1093,7 @@
           <a:bodyPr/>
           <a:lstStyle/>
           <a:p>
-            <a:endParaRPr lang="zh-CN" altLang="en-US"/>
+            <a:endParaRPr lang="zh-CN" altLang="en-US" dirty="0"/>
           </a:p>
         </p:txBody>
       </p:sp>
@@ -1122,7 +1123,7 @@
     </p:spTree>
     <p:extLst>
       <p:ext uri="{BB962C8B-B14F-4D97-AF65-F5344CB8AC3E}">
-        <p14:creationId xmlns:p14="http://schemas.microsoft.com/office/powerpoint/2010/main" val="3447870727"/>
+        <p14:creationId xmlns:p14="http://schemas.microsoft.com/office/powerpoint/2010/main" val="1779050743"/>
       </p:ext>
     </p:extLst>
   </p:cSld>
@@ -1206,7 +1207,7 @@
     </p:spTree>
     <p:extLst>
       <p:ext uri="{BB962C8B-B14F-4D97-AF65-F5344CB8AC3E}">
-        <p14:creationId xmlns:p14="http://schemas.microsoft.com/office/powerpoint/2010/main" val="3878379220"/>
+        <p14:creationId xmlns:p14="http://schemas.microsoft.com/office/powerpoint/2010/main" val="3447870727"/>
       </p:ext>
     </p:extLst>
   </p:cSld>
@@ -1282,6 +1283,90 @@
             <a:fld id="{A6837353-30EB-4A48-80EB-173D804AEFBD}" type="slidenum">
               <a:rPr lang="zh-CN" altLang="en-US" smtClean="0"/>
               <a:t>14</a:t>
+            </a:fld>
+            <a:endParaRPr lang="zh-CN" altLang="en-US"/>
+          </a:p>
+        </p:txBody>
+      </p:sp>
+    </p:spTree>
+    <p:extLst>
+      <p:ext uri="{BB962C8B-B14F-4D97-AF65-F5344CB8AC3E}">
+        <p14:creationId xmlns:p14="http://schemas.microsoft.com/office/powerpoint/2010/main" val="3878379220"/>
+      </p:ext>
+    </p:extLst>
+  </p:cSld>
+  <p:clrMapOvr>
+    <a:masterClrMapping/>
+  </p:clrMapOvr>
+</p:notes>
+</file>
+
+<file path=ppt/notesSlides/notesSlide15.xml><?xml version="1.0" encoding="utf-8"?>
+<p:notes xmlns:a="http://schemas.openxmlformats.org/drawingml/2006/main" xmlns:r="http://schemas.openxmlformats.org/officeDocument/2006/relationships" xmlns:p="http://schemas.openxmlformats.org/presentationml/2006/main">
+  <p:cSld>
+    <p:spTree>
+      <p:nvGrpSpPr>
+        <p:cNvPr id="1" name=""/>
+        <p:cNvGrpSpPr/>
+        <p:nvPr/>
+      </p:nvGrpSpPr>
+      <p:grpSpPr>
+        <a:xfrm>
+          <a:off x="0" y="0"/>
+          <a:ext cx="0" cy="0"/>
+          <a:chOff x="0" y="0"/>
+          <a:chExt cx="0" cy="0"/>
+        </a:xfrm>
+      </p:grpSpPr>
+      <p:sp>
+        <p:nvSpPr>
+          <p:cNvPr id="2" name="幻灯片图像占位符 1"/>
+          <p:cNvSpPr>
+            <a:spLocks noGrp="1" noRot="1" noChangeAspect="1"/>
+          </p:cNvSpPr>
+          <p:nvPr>
+            <p:ph type="sldImg"/>
+          </p:nvPr>
+        </p:nvSpPr>
+        <p:spPr/>
+      </p:sp>
+      <p:sp>
+        <p:nvSpPr>
+          <p:cNvPr id="3" name="备注占位符 2"/>
+          <p:cNvSpPr>
+            <a:spLocks noGrp="1"/>
+          </p:cNvSpPr>
+          <p:nvPr>
+            <p:ph type="body" idx="1"/>
+          </p:nvPr>
+        </p:nvSpPr>
+        <p:spPr/>
+        <p:txBody>
+          <a:bodyPr/>
+          <a:lstStyle/>
+          <a:p>
+            <a:endParaRPr lang="zh-CN" altLang="en-US"/>
+          </a:p>
+        </p:txBody>
+      </p:sp>
+      <p:sp>
+        <p:nvSpPr>
+          <p:cNvPr id="4" name="灯片编号占位符 3"/>
+          <p:cNvSpPr>
+            <a:spLocks noGrp="1"/>
+          </p:cNvSpPr>
+          <p:nvPr>
+            <p:ph type="sldNum" sz="quarter" idx="10"/>
+          </p:nvPr>
+        </p:nvSpPr>
+        <p:spPr/>
+        <p:txBody>
+          <a:bodyPr/>
+          <a:lstStyle/>
+          <a:p>
+            <a:fld id="{A6837353-30EB-4A48-80EB-173D804AEFBD}" type="slidenum">
+              <a:rPr lang="zh-CN" altLang="en-US" smtClean="0"/>
+              <a:t>15</a:t>
             </a:fld>
             <a:endParaRPr lang="zh-CN" altLang="en-US"/>
           </a:p>
@@ -2231,7 +2316,7 @@
           <a:p>
             <a:fld id="{82F288E0-7875-42C4-84C8-98DBBD3BF4D2}" type="datetimeFigureOut">
               <a:rPr lang="zh-CN" altLang="en-US" smtClean="0"/>
-              <a:t>2019/01/16</a:t>
+              <a:t>2019/1/17</a:t>
             </a:fld>
             <a:endParaRPr lang="zh-CN" altLang="en-US"/>
           </a:p>
@@ -2385,7 +2470,7 @@
           <a:p>
             <a:fld id="{82F288E0-7875-42C4-84C8-98DBBD3BF4D2}" type="datetimeFigureOut">
               <a:rPr lang="zh-CN" altLang="en-US" smtClean="0"/>
-              <a:t>2019/01/16</a:t>
+              <a:t>2019/1/17</a:t>
             </a:fld>
             <a:endParaRPr lang="zh-CN" altLang="en-US"/>
           </a:p>
@@ -2672,7 +2757,7 @@
           <a:p>
             <a:fld id="{82F288E0-7875-42C4-84C8-98DBBD3BF4D2}" type="datetimeFigureOut">
               <a:rPr lang="zh-CN" altLang="en-US" smtClean="0"/>
-              <a:t>2019/01/16</a:t>
+              <a:t>2019/1/17</a:t>
             </a:fld>
             <a:endParaRPr lang="zh-CN" altLang="en-US"/>
           </a:p>
@@ -2906,7 +2991,7 @@
           <a:p>
             <a:fld id="{82F288E0-7875-42C4-84C8-98DBBD3BF4D2}" type="datetimeFigureOut">
               <a:rPr lang="zh-CN" altLang="en-US" smtClean="0"/>
-              <a:t>2019/01/16</a:t>
+              <a:t>2019/1/17</a:t>
             </a:fld>
             <a:endParaRPr lang="zh-CN" altLang="en-US"/>
           </a:p>
@@ -3268,7 +3353,7 @@
           <a:p>
             <a:fld id="{82F288E0-7875-42C4-84C8-98DBBD3BF4D2}" type="datetimeFigureOut">
               <a:rPr lang="zh-CN" altLang="en-US" smtClean="0"/>
-              <a:t>2019/01/16</a:t>
+              <a:t>2019/1/17</a:t>
             </a:fld>
             <a:endParaRPr lang="zh-CN" altLang="en-US"/>
           </a:p>
@@ -3381,7 +3466,7 @@
           <a:p>
             <a:fld id="{82F288E0-7875-42C4-84C8-98DBBD3BF4D2}" type="datetimeFigureOut">
               <a:rPr lang="zh-CN" altLang="en-US" smtClean="0"/>
-              <a:t>2019/01/16</a:t>
+              <a:t>2019/1/17</a:t>
             </a:fld>
             <a:endParaRPr lang="zh-CN" altLang="en-US"/>
           </a:p>
@@ -3471,7 +3556,7 @@
           <a:p>
             <a:fld id="{82F288E0-7875-42C4-84C8-98DBBD3BF4D2}" type="datetimeFigureOut">
               <a:rPr lang="zh-CN" altLang="en-US" smtClean="0"/>
-              <a:t>2019/01/16</a:t>
+              <a:t>2019/1/17</a:t>
             </a:fld>
             <a:endParaRPr lang="zh-CN" altLang="en-US"/>
           </a:p>
@@ -3719,7 +3804,7 @@
           <a:p>
             <a:fld id="{82F288E0-7875-42C4-84C8-98DBBD3BF4D2}" type="datetimeFigureOut">
               <a:rPr lang="zh-CN" altLang="en-US" smtClean="0"/>
-              <a:t>2019/01/16</a:t>
+              <a:t>2019/1/17</a:t>
             </a:fld>
             <a:endParaRPr lang="zh-CN" altLang="en-US"/>
           </a:p>
@@ -3894,7 +3979,7 @@
           <a:p>
             <a:fld id="{82F288E0-7875-42C4-84C8-98DBBD3BF4D2}" type="datetimeFigureOut">
               <a:rPr lang="zh-CN" altLang="en-US" smtClean="0"/>
-              <a:t>2019/01/16</a:t>
+              <a:t>2019/1/17</a:t>
             </a:fld>
             <a:endParaRPr lang="zh-CN" altLang="en-US"/>
           </a:p>
@@ -4107,7 +4192,7 @@
           <a:p>
             <a:fld id="{82F288E0-7875-42C4-84C8-98DBBD3BF4D2}" type="datetimeFigureOut">
               <a:rPr lang="zh-CN" altLang="en-US" smtClean="0"/>
-              <a:t>2019/01/16</a:t>
+              <a:t>2019/1/17</a:t>
             </a:fld>
             <a:endParaRPr lang="zh-CN" altLang="en-US"/>
           </a:p>
@@ -6357,6 +6442,85 @@
         </p:blipFill>
         <p:spPr>
           <a:xfrm>
+            <a:off x="141529" y="0"/>
+            <a:ext cx="8860942" cy="5143500"/>
+          </a:xfrm>
+          <a:prstGeom prst="rect">
+            <a:avLst/>
+          </a:prstGeom>
+        </p:spPr>
+      </p:pic>
+    </p:spTree>
+    <p:extLst>
+      <p:ext uri="{BB962C8B-B14F-4D97-AF65-F5344CB8AC3E}">
+        <p14:creationId xmlns:p14="http://schemas.microsoft.com/office/powerpoint/2010/main" val="1223121231"/>
+      </p:ext>
+    </p:extLst>
+  </p:cSld>
+  <p:clrMapOvr>
+    <a:masterClrMapping/>
+  </p:clrMapOvr>
+  <mc:AlternateContent xmlns:mc="http://schemas.openxmlformats.org/markup-compatibility/2006" xmlns:p14="http://schemas.microsoft.com/office/powerpoint/2010/main">
+    <mc:Choice Requires="p14">
+      <p:transition spd="med" p14:dur="700">
+        <p:fade/>
+      </p:transition>
+    </mc:Choice>
+    <mc:Fallback xmlns="">
+      <p:transition spd="med">
+        <p:fade/>
+      </p:transition>
+    </mc:Fallback>
+  </mc:AlternateContent>
+  <p:timing>
+    <p:tnLst>
+      <p:par>
+        <p:cTn id="1" dur="indefinite" restart="never" nodeType="tmRoot"/>
+      </p:par>
+    </p:tnLst>
+  </p:timing>
+</p:sld>
+</file>
+
+<file path=ppt/slides/slide12.xml><?xml version="1.0" encoding="utf-8"?>
+<p:sld xmlns:a="http://schemas.openxmlformats.org/drawingml/2006/main" xmlns:r="http://schemas.openxmlformats.org/officeDocument/2006/relationships" xmlns:p="http://schemas.openxmlformats.org/presentationml/2006/main">
+  <p:cSld>
+    <p:spTree>
+      <p:nvGrpSpPr>
+        <p:cNvPr id="1" name=""/>
+        <p:cNvGrpSpPr/>
+        <p:nvPr/>
+      </p:nvGrpSpPr>
+      <p:grpSpPr>
+        <a:xfrm>
+          <a:off x="0" y="0"/>
+          <a:ext cx="0" cy="0"/>
+          <a:chOff x="0" y="0"/>
+          <a:chExt cx="0" cy="0"/>
+        </a:xfrm>
+      </p:grpSpPr>
+      <p:pic>
+        <p:nvPicPr>
+          <p:cNvPr id="3" name="图片 2"/>
+          <p:cNvPicPr>
+            <a:picLocks noChangeAspect="1"/>
+          </p:cNvPicPr>
+          <p:nvPr/>
+        </p:nvPicPr>
+        <p:blipFill>
+          <a:blip r:embed="rId3">
+            <a:extLst>
+              <a:ext uri="{28A0092B-C50C-407E-A947-70E740481C1C}">
+                <a14:useLocalDpi xmlns:a14="http://schemas.microsoft.com/office/drawing/2010/main" val="0"/>
+              </a:ext>
+            </a:extLst>
+          </a:blip>
+          <a:stretch>
+            <a:fillRect/>
+          </a:stretch>
+        </p:blipFill>
+        <p:spPr>
+          <a:xfrm>
             <a:off x="0" y="0"/>
             <a:ext cx="9144000" cy="5143500"/>
           </a:xfrm>
@@ -6878,7 +7042,7 @@
 </p:sld>
 </file>
 
-<file path=ppt/slides/slide12.xml><?xml version="1.0" encoding="utf-8"?>
+<file path=ppt/slides/slide13.xml><?xml version="1.0" encoding="utf-8"?>
 <p:sld xmlns:a="http://schemas.openxmlformats.org/drawingml/2006/main" xmlns:r="http://schemas.openxmlformats.org/officeDocument/2006/relationships" xmlns:p="http://schemas.openxmlformats.org/presentationml/2006/main">
   <p:cSld>
     <p:spTree>
@@ -10715,7 +10879,7 @@
 </p:sld>
 </file>
 
-<file path=ppt/slides/slide13.xml><?xml version="1.0" encoding="utf-8"?>
+<file path=ppt/slides/slide14.xml><?xml version="1.0" encoding="utf-8"?>
 <p:sld xmlns:a="http://schemas.openxmlformats.org/drawingml/2006/main" xmlns:r="http://schemas.openxmlformats.org/officeDocument/2006/relationships" xmlns:p="http://schemas.openxmlformats.org/presentationml/2006/main">
   <p:cSld>
     <p:bg>
@@ -10803,7 +10967,7 @@
 </p:sld>
 </file>
 
-<file path=ppt/slides/slide14.xml><?xml version="1.0" encoding="utf-8"?>
+<file path=ppt/slides/slide15.xml><?xml version="1.0" encoding="utf-8"?>
 <p:sld xmlns:a="http://schemas.openxmlformats.org/drawingml/2006/main" xmlns:r="http://schemas.openxmlformats.org/officeDocument/2006/relationships" xmlns:p="http://schemas.openxmlformats.org/presentationml/2006/main">
   <p:cSld>
     <p:spTree>
@@ -11057,7 +11221,7 @@
         </p:nvSpPr>
         <p:spPr>
           <a:xfrm>
-            <a:off x="5645032" y="1377153"/>
+            <a:off x="5562842" y="1703100"/>
             <a:ext cx="2996460" cy="391597"/>
           </a:xfrm>
           <a:prstGeom prst="roundRect">
@@ -11111,7 +11275,7 @@
         </p:nvGrpSpPr>
         <p:grpSpPr>
           <a:xfrm>
-            <a:off x="5135755" y="1357339"/>
+            <a:off x="5053565" y="1683286"/>
             <a:ext cx="478533" cy="393570"/>
             <a:chOff x="5640108" y="966369"/>
             <a:chExt cx="476097" cy="391567"/>
@@ -11286,7 +11450,7 @@
         </p:nvSpPr>
         <p:spPr>
           <a:xfrm>
-            <a:off x="5645032" y="2094697"/>
+            <a:off x="5562842" y="2420644"/>
             <a:ext cx="2996460" cy="391597"/>
           </a:xfrm>
           <a:prstGeom prst="roundRect">
@@ -11340,7 +11504,7 @@
         </p:nvGrpSpPr>
         <p:grpSpPr>
           <a:xfrm>
-            <a:off x="5135755" y="2074883"/>
+            <a:off x="5053565" y="2400830"/>
             <a:ext cx="478533" cy="393570"/>
             <a:chOff x="5640108" y="966369"/>
             <a:chExt cx="476097" cy="391567"/>
@@ -11452,7 +11616,7 @@
         </p:nvSpPr>
         <p:spPr>
           <a:xfrm>
-            <a:off x="5645032" y="2812241"/>
+            <a:off x="5562842" y="3138188"/>
             <a:ext cx="2996460" cy="391597"/>
           </a:xfrm>
           <a:prstGeom prst="roundRect">
@@ -11506,7 +11670,7 @@
         </p:nvGrpSpPr>
         <p:grpSpPr>
           <a:xfrm>
-            <a:off x="5135755" y="2792427"/>
+            <a:off x="5053565" y="3118374"/>
             <a:ext cx="478533" cy="393570"/>
             <a:chOff x="5640108" y="966369"/>
             <a:chExt cx="476097" cy="391567"/>
@@ -15149,20 +15313,7 @@
                 <a:cs typeface="+mn-ea"/>
                 <a:sym typeface="+mn-lt"/>
               </a:rPr>
-              <a:t>前后端职责不清晰，随着项目的不断累积，可维护性越来越</a:t>
-            </a:r>
-            <a:r>
-              <a:rPr lang="zh-CN" altLang="en-US" sz="1000" dirty="0" smtClean="0">
-                <a:solidFill>
-                  <a:schemeClr val="tx1">
-                    <a:lumMod val="75000"/>
-                    <a:lumOff val="25000"/>
-                  </a:schemeClr>
-                </a:solidFill>
-                <a:cs typeface="+mn-ea"/>
-                <a:sym typeface="+mn-lt"/>
-              </a:rPr>
-              <a:t>差</a:t>
+              <a:t>前后端职责不清晰，随着项目的不断累积，可维护性越来越差</a:t>
             </a:r>
             <a:endParaRPr lang="en-US" altLang="zh-CN" sz="1000" dirty="0" smtClean="0">
               <a:solidFill>
